--- a/Bloque_01-Rubrica_01/Metodología scrum.pptx
+++ b/Bloque_01-Rubrica_01/Metodología scrum.pptx
@@ -7,6 +7,9 @@
   <p:sldIdLst>
     <p:sldId id="256" r:id="rId2"/>
     <p:sldId id="257" r:id="rId3"/>
+    <p:sldId id="258" r:id="rId4"/>
+    <p:sldId id="259" r:id="rId5"/>
+    <p:sldId id="260" r:id="rId6"/>
   </p:sldIdLst>
   <p:sldSz cx="12192000" cy="6858000"/>
   <p:notesSz cx="6858000" cy="9144000"/>
@@ -105,6 +108,11 @@
       </a:defRPr>
     </a:lvl9pPr>
   </p:defaultTextStyle>
+  <p:extLst>
+    <p:ext uri="{EFAFB233-063F-42B5-8137-9DF3F51BA10A}">
+      <p15:sldGuideLst xmlns:p15="http://schemas.microsoft.com/office/powerpoint/2012/main"/>
+    </p:ext>
+  </p:extLst>
 </p:presentation>
 </file>
 
@@ -3748,10 +3756,611 @@
           <a:chExt cx="0" cy="0"/>
         </a:xfrm>
       </p:grpSpPr>
+      <p:sp>
+        <p:nvSpPr>
+          <p:cNvPr id="2" name="CuadroTexto 1">
+            <a:extLst>
+              <a:ext uri="{FF2B5EF4-FFF2-40B4-BE49-F238E27FC236}">
+                <a16:creationId xmlns:a16="http://schemas.microsoft.com/office/drawing/2014/main" id="{A5C7A17A-D8F4-4D15-9721-DAC27D465BD3}"/>
+              </a:ext>
+            </a:extLst>
+          </p:cNvPr>
+          <p:cNvSpPr txBox="1"/>
+          <p:nvPr/>
+        </p:nvSpPr>
+        <p:spPr>
+          <a:xfrm>
+            <a:off x="1859280" y="1082040"/>
+            <a:ext cx="7673340" cy="1200329"/>
+          </a:xfrm>
+          <a:prstGeom prst="rect">
+            <a:avLst/>
+          </a:prstGeom>
+          <a:noFill/>
+        </p:spPr>
+        <p:txBody>
+          <a:bodyPr wrap="square" rtlCol="0">
+            <a:spAutoFit/>
+          </a:bodyPr>
+          <a:lstStyle/>
+          <a:p>
+            <a:r>
+              <a:rPr lang="es-ES" dirty="0">
+                <a:hlinkClick r:id="rId2"/>
+              </a:rPr>
+              <a:t>https://www.youtube.com/watch?v=P25JP0u6UKw</a:t>
+            </a:r>
+            <a:endParaRPr lang="es-ES" dirty="0"/>
+          </a:p>
+          <a:p>
+            <a:r>
+              <a:rPr lang="es-ES" dirty="0">
+                <a:hlinkClick r:id="rId3"/>
+              </a:rPr>
+              <a:t>https://lecciondeaprendizaje.blogspot.com/2018/03/comparacion-de-metodologias-agile-scrum.html</a:t>
+            </a:r>
+            <a:endParaRPr lang="es-ES" dirty="0"/>
+          </a:p>
+          <a:p>
+            <a:r>
+              <a:rPr lang="es-ES" dirty="0"/>
+              <a:t>https://beagilemyfriend.com/scrum/</a:t>
+            </a:r>
+          </a:p>
+        </p:txBody>
+      </p:sp>
     </p:spTree>
     <p:extLst>
       <p:ext uri="{BB962C8B-B14F-4D97-AF65-F5344CB8AC3E}">
         <p14:creationId xmlns:p14="http://schemas.microsoft.com/office/powerpoint/2010/main" val="1173010026"/>
+      </p:ext>
+    </p:extLst>
+  </p:cSld>
+  <p:clrMapOvr>
+    <a:masterClrMapping/>
+  </p:clrMapOvr>
+</p:sld>
+</file>
+
+<file path=ppt/slides/slide3.xml><?xml version="1.0" encoding="utf-8"?>
+<p:sld xmlns:a="http://schemas.openxmlformats.org/drawingml/2006/main" xmlns:r="http://schemas.openxmlformats.org/officeDocument/2006/relationships" xmlns:p="http://schemas.openxmlformats.org/presentationml/2006/main">
+  <p:cSld>
+    <p:spTree>
+      <p:nvGrpSpPr>
+        <p:cNvPr id="1" name=""/>
+        <p:cNvGrpSpPr/>
+        <p:nvPr/>
+      </p:nvGrpSpPr>
+      <p:grpSpPr>
+        <a:xfrm>
+          <a:off x="0" y="0"/>
+          <a:ext cx="0" cy="0"/>
+          <a:chOff x="0" y="0"/>
+          <a:chExt cx="0" cy="0"/>
+        </a:xfrm>
+      </p:grpSpPr>
+      <p:sp>
+        <p:nvSpPr>
+          <p:cNvPr id="2" name="Título 1">
+            <a:extLst>
+              <a:ext uri="{FF2B5EF4-FFF2-40B4-BE49-F238E27FC236}">
+                <a16:creationId xmlns:a16="http://schemas.microsoft.com/office/drawing/2014/main" id="{A18D3DE3-7E13-4730-B9D1-F1E622402B1B}"/>
+              </a:ext>
+            </a:extLst>
+          </p:cNvPr>
+          <p:cNvSpPr>
+            <a:spLocks noGrp="1"/>
+          </p:cNvSpPr>
+          <p:nvPr>
+            <p:ph type="title"/>
+          </p:nvPr>
+        </p:nvSpPr>
+        <p:spPr/>
+        <p:txBody>
+          <a:bodyPr/>
+          <a:lstStyle/>
+          <a:p>
+            <a:r>
+              <a:rPr lang="es-ES" dirty="0"/>
+              <a:t>introducción</a:t>
+            </a:r>
+          </a:p>
+        </p:txBody>
+      </p:sp>
+      <p:sp>
+        <p:nvSpPr>
+          <p:cNvPr id="3" name="CuadroTexto 2">
+            <a:extLst>
+              <a:ext uri="{FF2B5EF4-FFF2-40B4-BE49-F238E27FC236}">
+                <a16:creationId xmlns:a16="http://schemas.microsoft.com/office/drawing/2014/main" id="{61D9DBC8-4E81-4422-AD94-4FD48DD93434}"/>
+              </a:ext>
+            </a:extLst>
+          </p:cNvPr>
+          <p:cNvSpPr txBox="1"/>
+          <p:nvPr/>
+        </p:nvSpPr>
+        <p:spPr>
+          <a:xfrm>
+            <a:off x="1451578" y="2074077"/>
+            <a:ext cx="9603275" cy="2647584"/>
+          </a:xfrm>
+          <a:prstGeom prst="rect">
+            <a:avLst/>
+          </a:prstGeom>
+          <a:noFill/>
+        </p:spPr>
+        <p:txBody>
+          <a:bodyPr wrap="square" rtlCol="0">
+            <a:spAutoFit/>
+          </a:bodyPr>
+          <a:lstStyle/>
+          <a:p>
+            <a:pPr algn="just">
+              <a:lnSpc>
+                <a:spcPct val="120000"/>
+              </a:lnSpc>
+              <a:spcBef>
+                <a:spcPts val="1000"/>
+              </a:spcBef>
+            </a:pPr>
+            <a:r>
+              <a:rPr lang="es-ES" dirty="0"/>
+              <a:t>Antiguamente cuando se llevaba a cabo un proyecto informático, se realizaba una planificación inicial, una fase de diseño, desarrollo, testeo y puesta en producción. Lo que generaba una cantidad ingesta de documentación.</a:t>
+            </a:r>
+          </a:p>
+          <a:p>
+            <a:pPr algn="just">
+              <a:lnSpc>
+                <a:spcPct val="120000"/>
+              </a:lnSpc>
+              <a:spcBef>
+                <a:spcPts val="1000"/>
+              </a:spcBef>
+            </a:pPr>
+            <a:r>
+              <a:rPr lang="es-ES" dirty="0"/>
+              <a:t>Además, se centraba en acortar el alcance inicial del proyecto para no alargarlo en el tiempo ya que las planificaciones podían ser de años, y modificarla suponía modificar toda la planificación.</a:t>
+            </a:r>
+          </a:p>
+          <a:p>
+            <a:pPr algn="just">
+              <a:lnSpc>
+                <a:spcPct val="120000"/>
+              </a:lnSpc>
+              <a:spcBef>
+                <a:spcPts val="1000"/>
+              </a:spcBef>
+            </a:pPr>
+            <a:r>
+              <a:rPr lang="es-ES" dirty="0"/>
+              <a:t>Como las necesidades del mercado actual son tan cambiantes, planificar a largo lazo ya no tenia sentido, y así es como se empezó a trabajar con Scrum.</a:t>
+            </a:r>
+          </a:p>
+        </p:txBody>
+      </p:sp>
+      <p:pic>
+        <p:nvPicPr>
+          <p:cNvPr id="1026" name="Picture 2">
+            <a:extLst>
+              <a:ext uri="{FF2B5EF4-FFF2-40B4-BE49-F238E27FC236}">
+                <a16:creationId xmlns:a16="http://schemas.microsoft.com/office/drawing/2014/main" id="{23BEDEF7-DE6E-4809-9C3C-5F3F53EDBC79}"/>
+              </a:ext>
+            </a:extLst>
+          </p:cNvPr>
+          <p:cNvPicPr>
+            <a:picLocks noChangeAspect="1" noChangeArrowheads="1"/>
+          </p:cNvPicPr>
+          <p:nvPr/>
+        </p:nvPicPr>
+        <p:blipFill>
+          <a:blip r:embed="rId2">
+            <a:extLst>
+              <a:ext uri="{BEBA8EAE-BF5A-486C-A8C5-ECC9F3942E4B}">
+                <a14:imgProps xmlns:a14="http://schemas.microsoft.com/office/drawing/2010/main">
+                  <a14:imgLayer r:embed="rId3">
+                    <a14:imgEffect>
+                      <a14:backgroundRemoval t="9862" b="89941" l="1270" r="96680">
+                        <a14:foregroundMark x1="13477" y1="32544" x2="13379" y2="33333"/>
+                        <a14:foregroundMark x1="12207" y1="35503" x2="12207" y2="35503"/>
+                        <a14:foregroundMark x1="13965" y1="28008" x2="13965" y2="28008"/>
+                        <a14:foregroundMark x1="13477" y1="20316" x2="13477" y2="20316"/>
+                        <a14:foregroundMark x1="8398" y1="38067" x2="7910" y2="42406"/>
+                        <a14:foregroundMark x1="5762" y1="54635" x2="4980" y2="55819"/>
+                        <a14:foregroundMark x1="1367" y1="58580" x2="1563" y2="60750"/>
+                        <a14:foregroundMark x1="26074" y1="39448" x2="26270" y2="41617"/>
+                        <a14:foregroundMark x1="39746" y1="41223" x2="40137" y2="45562"/>
+                        <a14:foregroundMark x1="39746" y1="39053" x2="41699" y2="27416"/>
+                        <a14:foregroundMark x1="53906" y1="29980" x2="53320" y2="56016"/>
+                        <a14:foregroundMark x1="70508" y1="32150" x2="69824" y2="53057"/>
+                        <a14:foregroundMark x1="85059" y1="34122" x2="85254" y2="57791"/>
+                        <a14:foregroundMark x1="95313" y1="33531" x2="96680" y2="58580"/>
+                        <a14:foregroundMark x1="94434" y1="34911" x2="89648" y2="40828"/>
+                        <a14:foregroundMark x1="91406" y1="42998" x2="90234" y2="47732"/>
+                        <a14:foregroundMark x1="89746" y1="44379" x2="86816" y2="32150"/>
+                        <a14:foregroundMark x1="86523" y1="45759" x2="85742" y2="63905"/>
+                        <a14:foregroundMark x1="78125" y1="52071" x2="77539" y2="37278"/>
+                        <a14:foregroundMark x1="78906" y1="28600" x2="79395" y2="41815"/>
+                        <a14:foregroundMark x1="78223" y1="53057" x2="77539" y2="61933"/>
+                        <a14:foregroundMark x1="77246" y1="61736" x2="72363" y2="63511"/>
+                        <a14:foregroundMark x1="59375" y1="49112" x2="62207" y2="62919"/>
+                        <a14:foregroundMark x1="60449" y1="45562" x2="59570" y2="40828"/>
+                        <a14:foregroundMark x1="61816" y1="40237" x2="62207" y2="33728"/>
+                        <a14:foregroundMark x1="59863" y1="29389" x2="54492" y2="27219"/>
+                        <a14:foregroundMark x1="55078" y1="51874" x2="54688" y2="61341"/>
+                        <a14:foregroundMark x1="47168" y1="56410" x2="44629" y2="62327"/>
+                        <a14:foregroundMark x1="40234" y1="57002" x2="39648" y2="42801"/>
+                        <a14:foregroundMark x1="42285" y1="27811" x2="46973" y2="31558"/>
+                        <a14:foregroundMark x1="47852" y1="30178" x2="48047" y2="36095"/>
+                        <a14:foregroundMark x1="47852" y1="56607" x2="45605" y2="60947"/>
+                        <a14:foregroundMark x1="33594" y1="55424" x2="31641" y2="46548"/>
+                        <a14:foregroundMark x1="26660" y1="42012" x2="24805" y2="32742"/>
+                        <a14:foregroundMark x1="26367" y1="30572" x2="30957" y2="26430"/>
+                        <a14:foregroundMark x1="32227" y1="28994" x2="33008" y2="34122"/>
+                        <a14:foregroundMark x1="33887" y1="57791" x2="30078" y2="63511"/>
+                        <a14:foregroundMark x1="28320" y1="63314" x2="25000" y2="57002"/>
+                      </a14:backgroundRemoval>
+                    </a14:imgEffect>
+                  </a14:imgLayer>
+                </a14:imgProps>
+              </a:ext>
+              <a:ext uri="{28A0092B-C50C-407E-A947-70E740481C1C}">
+                <a14:useLocalDpi xmlns:a14="http://schemas.microsoft.com/office/drawing/2010/main" val="0"/>
+              </a:ext>
+            </a:extLst>
+          </a:blip>
+          <a:srcRect/>
+          <a:stretch>
+            <a:fillRect/>
+          </a:stretch>
+        </p:blipFill>
+        <p:spPr bwMode="auto">
+          <a:xfrm>
+            <a:off x="4960620" y="4721661"/>
+            <a:ext cx="2270760" cy="1124292"/>
+          </a:xfrm>
+          <a:prstGeom prst="rect">
+            <a:avLst/>
+          </a:prstGeom>
+          <a:noFill/>
+          <a:extLst>
+            <a:ext uri="{909E8E84-426E-40DD-AFC4-6F175D3DCCD1}">
+              <a14:hiddenFill xmlns:a14="http://schemas.microsoft.com/office/drawing/2010/main">
+                <a:solidFill>
+                  <a:srgbClr val="FFFFFF"/>
+                </a:solidFill>
+              </a14:hiddenFill>
+            </a:ext>
+          </a:extLst>
+        </p:spPr>
+      </p:pic>
+    </p:spTree>
+    <p:extLst>
+      <p:ext uri="{BB962C8B-B14F-4D97-AF65-F5344CB8AC3E}">
+        <p14:creationId xmlns:p14="http://schemas.microsoft.com/office/powerpoint/2010/main" val="178225067"/>
+      </p:ext>
+    </p:extLst>
+  </p:cSld>
+  <p:clrMapOvr>
+    <a:masterClrMapping/>
+  </p:clrMapOvr>
+</p:sld>
+</file>
+
+<file path=ppt/slides/slide4.xml><?xml version="1.0" encoding="utf-8"?>
+<p:sld xmlns:a="http://schemas.openxmlformats.org/drawingml/2006/main" xmlns:r="http://schemas.openxmlformats.org/officeDocument/2006/relationships" xmlns:p="http://schemas.openxmlformats.org/presentationml/2006/main">
+  <p:cSld>
+    <p:spTree>
+      <p:nvGrpSpPr>
+        <p:cNvPr id="1" name=""/>
+        <p:cNvGrpSpPr/>
+        <p:nvPr/>
+      </p:nvGrpSpPr>
+      <p:grpSpPr>
+        <a:xfrm>
+          <a:off x="0" y="0"/>
+          <a:ext cx="0" cy="0"/>
+          <a:chOff x="0" y="0"/>
+          <a:chExt cx="0" cy="0"/>
+        </a:xfrm>
+      </p:grpSpPr>
+      <p:sp>
+        <p:nvSpPr>
+          <p:cNvPr id="2" name="Título 1">
+            <a:extLst>
+              <a:ext uri="{FF2B5EF4-FFF2-40B4-BE49-F238E27FC236}">
+                <a16:creationId xmlns:a16="http://schemas.microsoft.com/office/drawing/2014/main" id="{8AA1BA56-D366-463C-910B-C5790E1F8A39}"/>
+              </a:ext>
+            </a:extLst>
+          </p:cNvPr>
+          <p:cNvSpPr>
+            <a:spLocks noGrp="1"/>
+          </p:cNvSpPr>
+          <p:nvPr>
+            <p:ph type="title"/>
+          </p:nvPr>
+        </p:nvSpPr>
+        <p:spPr/>
+        <p:txBody>
+          <a:bodyPr>
+            <a:normAutofit/>
+          </a:bodyPr>
+          <a:lstStyle/>
+          <a:p>
+            <a:r>
+              <a:rPr lang="es-ES" dirty="0"/>
+              <a:t>introducción</a:t>
+            </a:r>
+          </a:p>
+        </p:txBody>
+      </p:sp>
+      <p:sp>
+        <p:nvSpPr>
+          <p:cNvPr id="3" name="Marcador de contenido 2">
+            <a:extLst>
+              <a:ext uri="{FF2B5EF4-FFF2-40B4-BE49-F238E27FC236}">
+                <a16:creationId xmlns:a16="http://schemas.microsoft.com/office/drawing/2014/main" id="{18FBEDF3-948C-44E3-B030-6E0A67B5DA7C}"/>
+              </a:ext>
+            </a:extLst>
+          </p:cNvPr>
+          <p:cNvSpPr>
+            <a:spLocks noGrp="1"/>
+          </p:cNvSpPr>
+          <p:nvPr>
+            <p:ph idx="1"/>
+          </p:nvPr>
+        </p:nvSpPr>
+        <p:spPr>
+          <a:xfrm>
+            <a:off x="1451579" y="2015732"/>
+            <a:ext cx="9658381" cy="3450613"/>
+          </a:xfrm>
+        </p:spPr>
+        <p:txBody>
+          <a:bodyPr>
+            <a:normAutofit/>
+          </a:bodyPr>
+          <a:lstStyle/>
+          <a:p>
+            <a:pPr algn="just"/>
+            <a:r>
+              <a:rPr lang="es-ES" sz="1800" dirty="0"/>
+              <a:t>¿Qué es Scrum?</a:t>
+            </a:r>
+          </a:p>
+          <a:p>
+            <a:pPr marL="0" indent="0" algn="just">
+              <a:buNone/>
+            </a:pPr>
+            <a:r>
+              <a:rPr lang="es-ES" sz="1800" dirty="0"/>
+              <a:t>Scrum es una metodología que no deja de ser un modo de llevar a cabo un proyecto.</a:t>
+            </a:r>
+          </a:p>
+          <a:p>
+            <a:pPr marL="0" indent="0" algn="just">
+              <a:buNone/>
+            </a:pPr>
+            <a:r>
+              <a:rPr lang="es-ES" sz="1800" dirty="0"/>
+              <a:t>La metodología Scrum apareció por primera vez en 1986 en un articulo de la revista </a:t>
+            </a:r>
+            <a:r>
+              <a:rPr lang="es-ES" sz="1800" i="1" dirty="0"/>
+              <a:t>Harvard Business </a:t>
+            </a:r>
+            <a:r>
+              <a:rPr lang="es-ES" sz="1800" i="1" dirty="0" err="1"/>
+              <a:t>Review</a:t>
+            </a:r>
+            <a:r>
+              <a:rPr lang="es-ES" sz="1800" dirty="0"/>
+              <a:t> como  “El nuevo </a:t>
+            </a:r>
+            <a:r>
+              <a:rPr lang="es-ES" sz="1800" dirty="0" err="1"/>
+              <a:t>nuevo</a:t>
+            </a:r>
+            <a:r>
+              <a:rPr lang="es-ES" sz="1800" dirty="0"/>
+              <a:t> juego para el desarrollo de productos”. El artículo trata sobre como las empresas Canon y Honda desarrollan nuevos productos con un enfoque escalable, constituido por equipos </a:t>
+            </a:r>
+            <a:r>
+              <a:rPr lang="es-ES" sz="1800" b="1" dirty="0"/>
+              <a:t>integrales y </a:t>
+            </a:r>
+            <a:r>
+              <a:rPr lang="es-ES" sz="1800" b="1" dirty="0" err="1"/>
+              <a:t>auto-organizados</a:t>
+            </a:r>
+            <a:r>
+              <a:rPr lang="es-ES" sz="1800" b="1" dirty="0"/>
+              <a:t>.</a:t>
+            </a:r>
+          </a:p>
+          <a:p>
+            <a:pPr marL="0" indent="0" algn="just">
+              <a:buNone/>
+            </a:pPr>
+            <a:r>
+              <a:rPr lang="es-ES" sz="1800" dirty="0"/>
+              <a:t>Este articulo sentó las bases de lo que ahora conocemos como metodología </a:t>
+            </a:r>
+            <a:r>
+              <a:rPr lang="es-ES" sz="1800" dirty="0" err="1"/>
+              <a:t>Scum</a:t>
+            </a:r>
+            <a:r>
+              <a:rPr lang="es-ES" sz="1800" dirty="0"/>
+              <a:t>.</a:t>
+            </a:r>
+          </a:p>
+        </p:txBody>
+      </p:sp>
+    </p:spTree>
+    <p:extLst>
+      <p:ext uri="{BB962C8B-B14F-4D97-AF65-F5344CB8AC3E}">
+        <p14:creationId xmlns:p14="http://schemas.microsoft.com/office/powerpoint/2010/main" val="3605924702"/>
+      </p:ext>
+    </p:extLst>
+  </p:cSld>
+  <p:clrMapOvr>
+    <a:masterClrMapping/>
+  </p:clrMapOvr>
+</p:sld>
+</file>
+
+<file path=ppt/slides/slide5.xml><?xml version="1.0" encoding="utf-8"?>
+<p:sld xmlns:a="http://schemas.openxmlformats.org/drawingml/2006/main" xmlns:r="http://schemas.openxmlformats.org/officeDocument/2006/relationships" xmlns:p="http://schemas.openxmlformats.org/presentationml/2006/main">
+  <p:cSld>
+    <p:spTree>
+      <p:nvGrpSpPr>
+        <p:cNvPr id="1" name=""/>
+        <p:cNvGrpSpPr/>
+        <p:nvPr/>
+      </p:nvGrpSpPr>
+      <p:grpSpPr>
+        <a:xfrm>
+          <a:off x="0" y="0"/>
+          <a:ext cx="0" cy="0"/>
+          <a:chOff x="0" y="0"/>
+          <a:chExt cx="0" cy="0"/>
+        </a:xfrm>
+      </p:grpSpPr>
+      <p:sp>
+        <p:nvSpPr>
+          <p:cNvPr id="2" name="Título 1">
+            <a:extLst>
+              <a:ext uri="{FF2B5EF4-FFF2-40B4-BE49-F238E27FC236}">
+                <a16:creationId xmlns:a16="http://schemas.microsoft.com/office/drawing/2014/main" id="{8AA1BA56-D366-463C-910B-C5790E1F8A39}"/>
+              </a:ext>
+            </a:extLst>
+          </p:cNvPr>
+          <p:cNvSpPr>
+            <a:spLocks noGrp="1"/>
+          </p:cNvSpPr>
+          <p:nvPr>
+            <p:ph type="title"/>
+          </p:nvPr>
+        </p:nvSpPr>
+        <p:spPr/>
+        <p:txBody>
+          <a:bodyPr>
+            <a:normAutofit/>
+          </a:bodyPr>
+          <a:lstStyle/>
+          <a:p>
+            <a:r>
+              <a:rPr lang="es-ES" dirty="0"/>
+              <a:t>introducción</a:t>
+            </a:r>
+          </a:p>
+        </p:txBody>
+      </p:sp>
+      <p:sp>
+        <p:nvSpPr>
+          <p:cNvPr id="3" name="Marcador de contenido 2">
+            <a:extLst>
+              <a:ext uri="{FF2B5EF4-FFF2-40B4-BE49-F238E27FC236}">
+                <a16:creationId xmlns:a16="http://schemas.microsoft.com/office/drawing/2014/main" id="{18FBEDF3-948C-44E3-B030-6E0A67B5DA7C}"/>
+              </a:ext>
+            </a:extLst>
+          </p:cNvPr>
+          <p:cNvSpPr>
+            <a:spLocks noGrp="1"/>
+          </p:cNvSpPr>
+          <p:nvPr>
+            <p:ph idx="1"/>
+          </p:nvPr>
+        </p:nvSpPr>
+        <p:spPr>
+          <a:xfrm>
+            <a:off x="1451579" y="2015732"/>
+            <a:ext cx="9658381" cy="3450613"/>
+          </a:xfrm>
+        </p:spPr>
+        <p:txBody>
+          <a:bodyPr>
+            <a:normAutofit/>
+          </a:bodyPr>
+          <a:lstStyle/>
+          <a:p>
+            <a:pPr algn="just"/>
+            <a:r>
+              <a:rPr lang="es-ES" sz="1800" dirty="0"/>
+              <a:t>¿De donde viene Scrum?</a:t>
+            </a:r>
+          </a:p>
+          <a:p>
+            <a:pPr marL="0" indent="0" algn="just">
+              <a:buNone/>
+            </a:pPr>
+            <a:r>
+              <a:rPr lang="es-ES" sz="1800" dirty="0"/>
+              <a:t>La palabra Scrum viene del Rugby, es la formación fija para volver a poner el balón en juego.</a:t>
+            </a:r>
+          </a:p>
+        </p:txBody>
+      </p:sp>
+      <p:pic>
+        <p:nvPicPr>
+          <p:cNvPr id="2054" name="Picture 6" descr="Scrum | Charlie | Flickr">
+            <a:extLst>
+              <a:ext uri="{FF2B5EF4-FFF2-40B4-BE49-F238E27FC236}">
+                <a16:creationId xmlns:a16="http://schemas.microsoft.com/office/drawing/2014/main" id="{23187F4D-A502-4A3A-B9B8-DE406D909FCC}"/>
+              </a:ext>
+            </a:extLst>
+          </p:cNvPr>
+          <p:cNvPicPr>
+            <a:picLocks noChangeAspect="1" noChangeArrowheads="1"/>
+          </p:cNvPicPr>
+          <p:nvPr/>
+        </p:nvPicPr>
+        <p:blipFill>
+          <a:blip r:embed="rId2">
+            <a:extLst>
+              <a:ext uri="{28A0092B-C50C-407E-A947-70E740481C1C}">
+                <a14:useLocalDpi xmlns:a14="http://schemas.microsoft.com/office/drawing/2010/main" val="0"/>
+              </a:ext>
+            </a:extLst>
+          </a:blip>
+          <a:srcRect/>
+          <a:stretch>
+            <a:fillRect/>
+          </a:stretch>
+        </p:blipFill>
+        <p:spPr bwMode="auto">
+          <a:xfrm>
+            <a:off x="3047240" y="3177540"/>
+            <a:ext cx="6097519" cy="2288805"/>
+          </a:xfrm>
+          <a:prstGeom prst="rect">
+            <a:avLst/>
+          </a:prstGeom>
+          <a:ln>
+            <a:noFill/>
+          </a:ln>
+          <a:effectLst>
+            <a:outerShdw blurRad="292100" dist="139700" dir="2700000" algn="tl" rotWithShape="0">
+              <a:srgbClr val="333333">
+                <a:alpha val="65000"/>
+              </a:srgbClr>
+            </a:outerShdw>
+          </a:effectLst>
+          <a:extLst>
+            <a:ext uri="{909E8E84-426E-40DD-AFC4-6F175D3DCCD1}">
+              <a14:hiddenFill xmlns:a14="http://schemas.microsoft.com/office/drawing/2010/main">
+                <a:solidFill>
+                  <a:srgbClr val="FFFFFF"/>
+                </a:solidFill>
+              </a14:hiddenFill>
+            </a:ext>
+          </a:extLst>
+        </p:spPr>
+      </p:pic>
+    </p:spTree>
+    <p:extLst>
+      <p:ext uri="{BB962C8B-B14F-4D97-AF65-F5344CB8AC3E}">
+        <p14:creationId xmlns:p14="http://schemas.microsoft.com/office/powerpoint/2010/main" val="3184508916"/>
       </p:ext>
     </p:extLst>
   </p:cSld>

--- a/Bloque_01-Rubrica_01/Metodología scrum.pptx
+++ b/Bloque_01-Rubrica_01/Metodología scrum.pptx
@@ -10,6 +10,7 @@
     <p:sldId id="258" r:id="rId4"/>
     <p:sldId id="259" r:id="rId5"/>
     <p:sldId id="260" r:id="rId6"/>
+    <p:sldId id="262" r:id="rId7"/>
   </p:sldIdLst>
   <p:sldSz cx="12192000" cy="6858000"/>
   <p:notesSz cx="6858000" cy="9144000"/>
@@ -255,7 +256,7 @@
           <a:p>
             <a:fld id="{48A87A34-81AB-432B-8DAE-1953F412C126}" type="datetimeFigureOut">
               <a:rPr lang="en-US" dirty="0"/>
-              <a:t>10/3/2020</a:t>
+              <a:t>10/4/2020</a:t>
             </a:fld>
             <a:endParaRPr lang="en-US" dirty="0"/>
           </a:p>
@@ -461,7 +462,7 @@
           <a:p>
             <a:fld id="{48A87A34-81AB-432B-8DAE-1953F412C126}" type="datetimeFigureOut">
               <a:rPr lang="en-US" dirty="0"/>
-              <a:t>10/3/2020</a:t>
+              <a:t>10/4/2020</a:t>
             </a:fld>
             <a:endParaRPr lang="en-US" dirty="0"/>
           </a:p>
@@ -671,7 +672,7 @@
           <a:p>
             <a:fld id="{48A87A34-81AB-432B-8DAE-1953F412C126}" type="datetimeFigureOut">
               <a:rPr lang="en-US" dirty="0"/>
-              <a:t>10/3/2020</a:t>
+              <a:t>10/4/2020</a:t>
             </a:fld>
             <a:endParaRPr lang="en-US" dirty="0"/>
           </a:p>
@@ -867,7 +868,7 @@
           <a:p>
             <a:fld id="{48A87A34-81AB-432B-8DAE-1953F412C126}" type="datetimeFigureOut">
               <a:rPr lang="en-US" dirty="0"/>
-              <a:t>10/3/2020</a:t>
+              <a:t>10/4/2020</a:t>
             </a:fld>
             <a:endParaRPr lang="en-US" dirty="0"/>
           </a:p>
@@ -1141,7 +1142,7 @@
           <a:p>
             <a:fld id="{48A87A34-81AB-432B-8DAE-1953F412C126}" type="datetimeFigureOut">
               <a:rPr lang="en-US" dirty="0"/>
-              <a:t>10/3/2020</a:t>
+              <a:t>10/4/2020</a:t>
             </a:fld>
             <a:endParaRPr lang="en-US" dirty="0"/>
           </a:p>
@@ -1404,7 +1405,7 @@
           <a:p>
             <a:fld id="{48A87A34-81AB-432B-8DAE-1953F412C126}" type="datetimeFigureOut">
               <a:rPr lang="en-US" dirty="0"/>
-              <a:t>10/3/2020</a:t>
+              <a:t>10/4/2020</a:t>
             </a:fld>
             <a:endParaRPr lang="en-US" dirty="0"/>
           </a:p>
@@ -1815,7 +1816,7 @@
           <a:p>
             <a:fld id="{48A87A34-81AB-432B-8DAE-1953F412C126}" type="datetimeFigureOut">
               <a:rPr lang="en-US" dirty="0"/>
-              <a:t>10/3/2020</a:t>
+              <a:t>10/4/2020</a:t>
             </a:fld>
             <a:endParaRPr lang="en-US" dirty="0"/>
           </a:p>
@@ -1959,7 +1960,7 @@
           <a:p>
             <a:fld id="{48A87A34-81AB-432B-8DAE-1953F412C126}" type="datetimeFigureOut">
               <a:rPr lang="en-US" dirty="0"/>
-              <a:t>10/3/2020</a:t>
+              <a:t>10/4/2020</a:t>
             </a:fld>
             <a:endParaRPr lang="en-US" dirty="0"/>
           </a:p>
@@ -2080,7 +2081,7 @@
           <a:p>
             <a:fld id="{48A87A34-81AB-432B-8DAE-1953F412C126}" type="datetimeFigureOut">
               <a:rPr lang="en-US" dirty="0"/>
-              <a:t>10/3/2020</a:t>
+              <a:t>10/4/2020</a:t>
             </a:fld>
             <a:endParaRPr lang="en-US" dirty="0"/>
           </a:p>
@@ -2326,7 +2327,7 @@
           <a:p>
             <a:fld id="{48A87A34-81AB-432B-8DAE-1953F412C126}" type="datetimeFigureOut">
               <a:rPr lang="en-US" dirty="0"/>
-              <a:t>10/3/2020</a:t>
+              <a:t>10/4/2020</a:t>
             </a:fld>
             <a:endParaRPr lang="en-US" dirty="0"/>
           </a:p>
@@ -2767,7 +2768,7 @@
             <a:fld id="{48A87A34-81AB-432B-8DAE-1953F412C126}" type="datetimeFigureOut">
               <a:rPr lang="en-US" dirty="0"/>
               <a:pPr/>
-              <a:t>10/3/2020</a:t>
+              <a:t>10/4/2020</a:t>
             </a:fld>
             <a:endParaRPr lang="en-US" dirty="0"/>
           </a:p>
@@ -3090,7 +3091,7 @@
             <a:fld id="{48A87A34-81AB-432B-8DAE-1953F412C126}" type="datetimeFigureOut">
               <a:rPr lang="en-US" dirty="0"/>
               <a:pPr/>
-              <a:t>10/3/2020</a:t>
+              <a:t>10/4/2020</a:t>
             </a:fld>
             <a:endParaRPr lang="en-US" dirty="0"/>
           </a:p>
@@ -4296,7 +4297,7 @@
             </a:pPr>
             <a:r>
               <a:rPr lang="es-ES" sz="1800" dirty="0"/>
-              <a:t>La palabra Scrum viene del Rugby, es la formación fija para volver a poner el balón en juego.</a:t>
+              <a:t>La palabra Scrum viene del Rugby, es la formación fija para volver a poner el balón en juego, recalca la importancia de trabajar en equipo.</a:t>
             </a:r>
           </a:p>
         </p:txBody>
@@ -4330,7 +4331,7 @@
         </p:blipFill>
         <p:spPr bwMode="auto">
           <a:xfrm>
-            <a:off x="3047240" y="3177540"/>
+            <a:off x="3047240" y="3339518"/>
             <a:ext cx="6097519" cy="2288805"/>
           </a:xfrm>
           <a:prstGeom prst="rect">
@@ -4361,6 +4362,124 @@
     <p:extLst>
       <p:ext uri="{BB962C8B-B14F-4D97-AF65-F5344CB8AC3E}">
         <p14:creationId xmlns:p14="http://schemas.microsoft.com/office/powerpoint/2010/main" val="3184508916"/>
+      </p:ext>
+    </p:extLst>
+  </p:cSld>
+  <p:clrMapOvr>
+    <a:masterClrMapping/>
+  </p:clrMapOvr>
+</p:sld>
+</file>
+
+<file path=ppt/slides/slide6.xml><?xml version="1.0" encoding="utf-8"?>
+<p:sld xmlns:a="http://schemas.openxmlformats.org/drawingml/2006/main" xmlns:r="http://schemas.openxmlformats.org/officeDocument/2006/relationships" xmlns:p="http://schemas.openxmlformats.org/presentationml/2006/main">
+  <p:cSld>
+    <p:spTree>
+      <p:nvGrpSpPr>
+        <p:cNvPr id="1" name=""/>
+        <p:cNvGrpSpPr/>
+        <p:nvPr/>
+      </p:nvGrpSpPr>
+      <p:grpSpPr>
+        <a:xfrm>
+          <a:off x="0" y="0"/>
+          <a:ext cx="0" cy="0"/>
+          <a:chOff x="0" y="0"/>
+          <a:chExt cx="0" cy="0"/>
+        </a:xfrm>
+      </p:grpSpPr>
+      <p:sp>
+        <p:nvSpPr>
+          <p:cNvPr id="2" name="Título 1">
+            <a:extLst>
+              <a:ext uri="{FF2B5EF4-FFF2-40B4-BE49-F238E27FC236}">
+                <a16:creationId xmlns:a16="http://schemas.microsoft.com/office/drawing/2014/main" id="{2BC3E84E-62AD-46F2-8583-B7B153E9A26B}"/>
+              </a:ext>
+            </a:extLst>
+          </p:cNvPr>
+          <p:cNvSpPr>
+            <a:spLocks noGrp="1"/>
+          </p:cNvSpPr>
+          <p:nvPr>
+            <p:ph type="title"/>
+          </p:nvPr>
+        </p:nvSpPr>
+        <p:spPr/>
+        <p:txBody>
+          <a:bodyPr/>
+          <a:lstStyle/>
+          <a:p>
+            <a:r>
+              <a:rPr lang="es-ES" dirty="0"/>
+              <a:t>introducción</a:t>
+            </a:r>
+          </a:p>
+        </p:txBody>
+      </p:sp>
+      <p:sp>
+        <p:nvSpPr>
+          <p:cNvPr id="4" name="Marcador de texto 3">
+            <a:extLst>
+              <a:ext uri="{FF2B5EF4-FFF2-40B4-BE49-F238E27FC236}">
+                <a16:creationId xmlns:a16="http://schemas.microsoft.com/office/drawing/2014/main" id="{00136648-FCC0-4D57-8F36-2B6313243D65}"/>
+              </a:ext>
+            </a:extLst>
+          </p:cNvPr>
+          <p:cNvSpPr>
+            <a:spLocks noGrp="1"/>
+          </p:cNvSpPr>
+          <p:nvPr>
+            <p:ph type="body" sz="half" idx="2"/>
+          </p:nvPr>
+        </p:nvSpPr>
+        <p:spPr/>
+        <p:txBody>
+          <a:bodyPr/>
+          <a:lstStyle/>
+          <a:p>
+            <a:r>
+              <a:rPr lang="es-ES" dirty="0"/>
+              <a:t>Algunas de las diferencias más notables de Scrum y la gestión tradicional de los proyectos son las siguientes:</a:t>
+            </a:r>
+          </a:p>
+        </p:txBody>
+      </p:sp>
+      <p:pic>
+        <p:nvPicPr>
+          <p:cNvPr id="6" name="Marcador de contenido 5">
+            <a:extLst>
+              <a:ext uri="{FF2B5EF4-FFF2-40B4-BE49-F238E27FC236}">
+                <a16:creationId xmlns:a16="http://schemas.microsoft.com/office/drawing/2014/main" id="{680BEDF9-8436-4E6A-A38B-47BD2CA8A0CB}"/>
+              </a:ext>
+            </a:extLst>
+          </p:cNvPr>
+          <p:cNvPicPr>
+            <a:picLocks noGrp="1" noChangeAspect="1"/>
+          </p:cNvPicPr>
+          <p:nvPr>
+            <p:ph idx="1"/>
+          </p:nvPr>
+        </p:nvPicPr>
+        <p:blipFill>
+          <a:blip r:embed="rId2"/>
+          <a:stretch>
+            <a:fillRect/>
+          </a:stretch>
+        </p:blipFill>
+        <p:spPr>
+          <a:xfrm>
+            <a:off x="5607360" y="798513"/>
+            <a:ext cx="4885705" cy="4659312"/>
+          </a:xfrm>
+          <a:prstGeom prst="rect">
+            <a:avLst/>
+          </a:prstGeom>
+        </p:spPr>
+      </p:pic>
+    </p:spTree>
+    <p:extLst>
+      <p:ext uri="{BB962C8B-B14F-4D97-AF65-F5344CB8AC3E}">
+        <p14:creationId xmlns:p14="http://schemas.microsoft.com/office/powerpoint/2010/main" val="1526042346"/>
       </p:ext>
     </p:extLst>
   </p:cSld>

--- a/Bloque_01-Rubrica_01/Metodología scrum.pptx
+++ b/Bloque_01-Rubrica_01/Metodología scrum.pptx
@@ -11,6 +11,7 @@
     <p:sldId id="259" r:id="rId5"/>
     <p:sldId id="260" r:id="rId6"/>
     <p:sldId id="262" r:id="rId7"/>
+    <p:sldId id="263" r:id="rId8"/>
   </p:sldIdLst>
   <p:sldSz cx="12192000" cy="6858000"/>
   <p:notesSz cx="6858000" cy="9144000"/>
@@ -4489,6 +4490,239 @@
 </p:sld>
 </file>
 
+<file path=ppt/slides/slide7.xml><?xml version="1.0" encoding="utf-8"?>
+<p:sld xmlns:a="http://schemas.openxmlformats.org/drawingml/2006/main" xmlns:r="http://schemas.openxmlformats.org/officeDocument/2006/relationships" xmlns:p="http://schemas.openxmlformats.org/presentationml/2006/main">
+  <p:cSld>
+    <p:spTree>
+      <p:nvGrpSpPr>
+        <p:cNvPr id="1" name=""/>
+        <p:cNvGrpSpPr/>
+        <p:nvPr/>
+      </p:nvGrpSpPr>
+      <p:grpSpPr>
+        <a:xfrm>
+          <a:off x="0" y="0"/>
+          <a:ext cx="0" cy="0"/>
+          <a:chOff x="0" y="0"/>
+          <a:chExt cx="0" cy="0"/>
+        </a:xfrm>
+      </p:grpSpPr>
+      <p:sp>
+        <p:nvSpPr>
+          <p:cNvPr id="2" name="Título 1">
+            <a:extLst>
+              <a:ext uri="{FF2B5EF4-FFF2-40B4-BE49-F238E27FC236}">
+                <a16:creationId xmlns:a16="http://schemas.microsoft.com/office/drawing/2014/main" id="{8F56963D-998F-4048-B676-6E6C99291BBF}"/>
+              </a:ext>
+            </a:extLst>
+          </p:cNvPr>
+          <p:cNvSpPr>
+            <a:spLocks noGrp="1"/>
+          </p:cNvSpPr>
+          <p:nvPr>
+            <p:ph type="title"/>
+          </p:nvPr>
+        </p:nvSpPr>
+        <p:spPr/>
+        <p:txBody>
+          <a:bodyPr/>
+          <a:lstStyle/>
+          <a:p>
+            <a:r>
+              <a:rPr lang="es-ES" dirty="0"/>
+              <a:t>introducción</a:t>
+            </a:r>
+          </a:p>
+        </p:txBody>
+      </p:sp>
+      <p:sp>
+        <p:nvSpPr>
+          <p:cNvPr id="3" name="Marcador de contenido 2">
+            <a:extLst>
+              <a:ext uri="{FF2B5EF4-FFF2-40B4-BE49-F238E27FC236}">
+                <a16:creationId xmlns:a16="http://schemas.microsoft.com/office/drawing/2014/main" id="{A5B694DE-8CAC-45F3-A21B-5C339261E019}"/>
+              </a:ext>
+            </a:extLst>
+          </p:cNvPr>
+          <p:cNvSpPr>
+            <a:spLocks noGrp="1"/>
+          </p:cNvSpPr>
+          <p:nvPr>
+            <p:ph idx="1"/>
+          </p:nvPr>
+        </p:nvSpPr>
+        <p:spPr>
+          <a:xfrm>
+            <a:off x="1451579" y="2314532"/>
+            <a:ext cx="9603275" cy="3648118"/>
+          </a:xfrm>
+        </p:spPr>
+        <p:txBody>
+          <a:bodyPr numCol="2">
+            <a:normAutofit fontScale="92500" lnSpcReduction="10000"/>
+          </a:bodyPr>
+          <a:lstStyle/>
+          <a:p>
+            <a:pPr algn="just"/>
+            <a:r>
+              <a:rPr lang="es-ES" dirty="0"/>
+              <a:t>Confianza</a:t>
+            </a:r>
+          </a:p>
+          <a:p>
+            <a:pPr algn="just"/>
+            <a:r>
+              <a:rPr lang="es-ES" dirty="0"/>
+              <a:t>Transparencia</a:t>
+            </a:r>
+          </a:p>
+          <a:p>
+            <a:pPr algn="just"/>
+            <a:r>
+              <a:rPr lang="es-ES" dirty="0"/>
+              <a:t>Humildad</a:t>
+            </a:r>
+          </a:p>
+          <a:p>
+            <a:pPr algn="just"/>
+            <a:r>
+              <a:rPr lang="es-ES" dirty="0"/>
+              <a:t>Coraje</a:t>
+            </a:r>
+          </a:p>
+          <a:p>
+            <a:pPr algn="just"/>
+            <a:r>
+              <a:rPr lang="es-ES" dirty="0" err="1"/>
+              <a:t>Feedback</a:t>
+            </a:r>
+            <a:endParaRPr lang="es-ES" dirty="0"/>
+          </a:p>
+          <a:p>
+            <a:pPr algn="just"/>
+            <a:r>
+              <a:rPr lang="es-ES" dirty="0"/>
+              <a:t>Cooperación</a:t>
+            </a:r>
+          </a:p>
+          <a:p>
+            <a:pPr algn="just"/>
+            <a:r>
+              <a:rPr lang="es-ES" dirty="0"/>
+              <a:t>Generosidad</a:t>
+            </a:r>
+          </a:p>
+          <a:p>
+            <a:pPr algn="just"/>
+            <a:endParaRPr lang="es-ES" dirty="0"/>
+          </a:p>
+          <a:p>
+            <a:pPr algn="just"/>
+            <a:r>
+              <a:rPr lang="es-ES" dirty="0"/>
+              <a:t>Comunicación</a:t>
+            </a:r>
+          </a:p>
+          <a:p>
+            <a:pPr algn="just"/>
+            <a:r>
+              <a:rPr lang="es-ES" dirty="0"/>
+              <a:t>Honestidad</a:t>
+            </a:r>
+          </a:p>
+          <a:p>
+            <a:pPr algn="just"/>
+            <a:r>
+              <a:rPr lang="es-ES" dirty="0"/>
+              <a:t>Auto-Organización</a:t>
+            </a:r>
+          </a:p>
+          <a:p>
+            <a:pPr algn="just"/>
+            <a:r>
+              <a:rPr lang="es-ES" dirty="0"/>
+              <a:t>Responsabilidad</a:t>
+            </a:r>
+          </a:p>
+          <a:p>
+            <a:pPr algn="just"/>
+            <a:r>
+              <a:rPr lang="es-ES" dirty="0"/>
+              <a:t>Compromiso</a:t>
+            </a:r>
+          </a:p>
+          <a:p>
+            <a:pPr algn="just"/>
+            <a:r>
+              <a:rPr lang="es-ES"/>
+              <a:t>Disciplina</a:t>
+            </a:r>
+            <a:endParaRPr lang="es-ES" dirty="0"/>
+          </a:p>
+          <a:p>
+            <a:pPr algn="just"/>
+            <a:r>
+              <a:rPr lang="es-ES" dirty="0"/>
+              <a:t>Sentido del humor</a:t>
+            </a:r>
+          </a:p>
+          <a:p>
+            <a:pPr marL="0" indent="0">
+              <a:buNone/>
+            </a:pPr>
+            <a:endParaRPr lang="es-ES" dirty="0"/>
+          </a:p>
+        </p:txBody>
+      </p:sp>
+      <p:sp>
+        <p:nvSpPr>
+          <p:cNvPr id="4" name="CuadroTexto 3">
+            <a:extLst>
+              <a:ext uri="{FF2B5EF4-FFF2-40B4-BE49-F238E27FC236}">
+                <a16:creationId xmlns:a16="http://schemas.microsoft.com/office/drawing/2014/main" id="{7F7A7D50-591C-4A79-9D41-307E17D4CBC7}"/>
+              </a:ext>
+            </a:extLst>
+          </p:cNvPr>
+          <p:cNvSpPr txBox="1"/>
+          <p:nvPr/>
+        </p:nvSpPr>
+        <p:spPr>
+          <a:xfrm>
+            <a:off x="1451579" y="1853754"/>
+            <a:ext cx="9603274" cy="369332"/>
+          </a:xfrm>
+          <a:prstGeom prst="rect">
+            <a:avLst/>
+          </a:prstGeom>
+          <a:noFill/>
+        </p:spPr>
+        <p:txBody>
+          <a:bodyPr wrap="square" rtlCol="0">
+            <a:spAutoFit/>
+          </a:bodyPr>
+          <a:lstStyle/>
+          <a:p>
+            <a:pPr algn="just"/>
+            <a:r>
+              <a:rPr lang="es-ES" dirty="0"/>
+              <a:t>En Scrum es muy importante el trabajo en equipo, junto con una serie de valores:</a:t>
+            </a:r>
+          </a:p>
+        </p:txBody>
+      </p:sp>
+    </p:spTree>
+    <p:extLst>
+      <p:ext uri="{BB962C8B-B14F-4D97-AF65-F5344CB8AC3E}">
+        <p14:creationId xmlns:p14="http://schemas.microsoft.com/office/powerpoint/2010/main" val="1252192983"/>
+      </p:ext>
+    </p:extLst>
+  </p:cSld>
+  <p:clrMapOvr>
+    <a:masterClrMapping/>
+  </p:clrMapOvr>
+</p:sld>
+</file>
+
 <file path=ppt/theme/theme1.xml><?xml version="1.0" encoding="utf-8"?>
 <a:theme xmlns:a="http://schemas.openxmlformats.org/drawingml/2006/main" name="Galería">
   <a:themeElements>

--- a/Bloque_01-Rubrica_01/Metodología scrum.pptx
+++ b/Bloque_01-Rubrica_01/Metodología scrum.pptx
@@ -12,6 +12,9 @@
     <p:sldId id="260" r:id="rId6"/>
     <p:sldId id="262" r:id="rId7"/>
     <p:sldId id="263" r:id="rId8"/>
+    <p:sldId id="264" r:id="rId9"/>
+    <p:sldId id="265" r:id="rId10"/>
+    <p:sldId id="266" r:id="rId11"/>
   </p:sldIdLst>
   <p:sldSz cx="12192000" cy="6858000"/>
   <p:notesSz cx="6858000" cy="9144000"/>
@@ -257,7 +260,7 @@
           <a:p>
             <a:fld id="{48A87A34-81AB-432B-8DAE-1953F412C126}" type="datetimeFigureOut">
               <a:rPr lang="en-US" dirty="0"/>
-              <a:t>10/4/2020</a:t>
+              <a:t>10/5/2020</a:t>
             </a:fld>
             <a:endParaRPr lang="en-US" dirty="0"/>
           </a:p>
@@ -463,7 +466,7 @@
           <a:p>
             <a:fld id="{48A87A34-81AB-432B-8DAE-1953F412C126}" type="datetimeFigureOut">
               <a:rPr lang="en-US" dirty="0"/>
-              <a:t>10/4/2020</a:t>
+              <a:t>10/5/2020</a:t>
             </a:fld>
             <a:endParaRPr lang="en-US" dirty="0"/>
           </a:p>
@@ -673,7 +676,7 @@
           <a:p>
             <a:fld id="{48A87A34-81AB-432B-8DAE-1953F412C126}" type="datetimeFigureOut">
               <a:rPr lang="en-US" dirty="0"/>
-              <a:t>10/4/2020</a:t>
+              <a:t>10/5/2020</a:t>
             </a:fld>
             <a:endParaRPr lang="en-US" dirty="0"/>
           </a:p>
@@ -869,7 +872,7 @@
           <a:p>
             <a:fld id="{48A87A34-81AB-432B-8DAE-1953F412C126}" type="datetimeFigureOut">
               <a:rPr lang="en-US" dirty="0"/>
-              <a:t>10/4/2020</a:t>
+              <a:t>10/5/2020</a:t>
             </a:fld>
             <a:endParaRPr lang="en-US" dirty="0"/>
           </a:p>
@@ -1143,7 +1146,7 @@
           <a:p>
             <a:fld id="{48A87A34-81AB-432B-8DAE-1953F412C126}" type="datetimeFigureOut">
               <a:rPr lang="en-US" dirty="0"/>
-              <a:t>10/4/2020</a:t>
+              <a:t>10/5/2020</a:t>
             </a:fld>
             <a:endParaRPr lang="en-US" dirty="0"/>
           </a:p>
@@ -1406,7 +1409,7 @@
           <a:p>
             <a:fld id="{48A87A34-81AB-432B-8DAE-1953F412C126}" type="datetimeFigureOut">
               <a:rPr lang="en-US" dirty="0"/>
-              <a:t>10/4/2020</a:t>
+              <a:t>10/5/2020</a:t>
             </a:fld>
             <a:endParaRPr lang="en-US" dirty="0"/>
           </a:p>
@@ -1817,7 +1820,7 @@
           <a:p>
             <a:fld id="{48A87A34-81AB-432B-8DAE-1953F412C126}" type="datetimeFigureOut">
               <a:rPr lang="en-US" dirty="0"/>
-              <a:t>10/4/2020</a:t>
+              <a:t>10/5/2020</a:t>
             </a:fld>
             <a:endParaRPr lang="en-US" dirty="0"/>
           </a:p>
@@ -1961,7 +1964,7 @@
           <a:p>
             <a:fld id="{48A87A34-81AB-432B-8DAE-1953F412C126}" type="datetimeFigureOut">
               <a:rPr lang="en-US" dirty="0"/>
-              <a:t>10/4/2020</a:t>
+              <a:t>10/5/2020</a:t>
             </a:fld>
             <a:endParaRPr lang="en-US" dirty="0"/>
           </a:p>
@@ -2082,7 +2085,7 @@
           <a:p>
             <a:fld id="{48A87A34-81AB-432B-8DAE-1953F412C126}" type="datetimeFigureOut">
               <a:rPr lang="en-US" dirty="0"/>
-              <a:t>10/4/2020</a:t>
+              <a:t>10/5/2020</a:t>
             </a:fld>
             <a:endParaRPr lang="en-US" dirty="0"/>
           </a:p>
@@ -2328,7 +2331,7 @@
           <a:p>
             <a:fld id="{48A87A34-81AB-432B-8DAE-1953F412C126}" type="datetimeFigureOut">
               <a:rPr lang="en-US" dirty="0"/>
-              <a:t>10/4/2020</a:t>
+              <a:t>10/5/2020</a:t>
             </a:fld>
             <a:endParaRPr lang="en-US" dirty="0"/>
           </a:p>
@@ -2769,7 +2772,7 @@
             <a:fld id="{48A87A34-81AB-432B-8DAE-1953F412C126}" type="datetimeFigureOut">
               <a:rPr lang="en-US" dirty="0"/>
               <a:pPr/>
-              <a:t>10/4/2020</a:t>
+              <a:t>10/5/2020</a:t>
             </a:fld>
             <a:endParaRPr lang="en-US" dirty="0"/>
           </a:p>
@@ -3092,7 +3095,7 @@
             <a:fld id="{48A87A34-81AB-432B-8DAE-1953F412C126}" type="datetimeFigureOut">
               <a:rPr lang="en-US" dirty="0"/>
               <a:pPr/>
-              <a:t>10/4/2020</a:t>
+              <a:t>10/5/2020</a:t>
             </a:fld>
             <a:endParaRPr lang="en-US" dirty="0"/>
           </a:p>
@@ -3741,6 +3744,134 @@
 </p:sld>
 </file>
 
+<file path=ppt/slides/slide10.xml><?xml version="1.0" encoding="utf-8"?>
+<p:sld xmlns:a="http://schemas.openxmlformats.org/drawingml/2006/main" xmlns:r="http://schemas.openxmlformats.org/officeDocument/2006/relationships" xmlns:p="http://schemas.openxmlformats.org/presentationml/2006/main">
+  <p:cSld>
+    <p:spTree>
+      <p:nvGrpSpPr>
+        <p:cNvPr id="1" name=""/>
+        <p:cNvGrpSpPr/>
+        <p:nvPr/>
+      </p:nvGrpSpPr>
+      <p:grpSpPr>
+        <a:xfrm>
+          <a:off x="0" y="0"/>
+          <a:ext cx="0" cy="0"/>
+          <a:chOff x="0" y="0"/>
+          <a:chExt cx="0" cy="0"/>
+        </a:xfrm>
+      </p:grpSpPr>
+      <p:sp>
+        <p:nvSpPr>
+          <p:cNvPr id="2" name="Título 1">
+            <a:extLst>
+              <a:ext uri="{FF2B5EF4-FFF2-40B4-BE49-F238E27FC236}">
+                <a16:creationId xmlns:a16="http://schemas.microsoft.com/office/drawing/2014/main" id="{5ECAD0C0-69B4-495F-8F76-9187F3644D2A}"/>
+              </a:ext>
+            </a:extLst>
+          </p:cNvPr>
+          <p:cNvSpPr>
+            <a:spLocks noGrp="1"/>
+          </p:cNvSpPr>
+          <p:nvPr>
+            <p:ph type="title"/>
+          </p:nvPr>
+        </p:nvSpPr>
+        <p:spPr/>
+        <p:txBody>
+          <a:bodyPr/>
+          <a:lstStyle/>
+          <a:p>
+            <a:r>
+              <a:rPr lang="es-ES" dirty="0"/>
+              <a:t>Scrum master</a:t>
+            </a:r>
+          </a:p>
+        </p:txBody>
+      </p:sp>
+      <p:sp>
+        <p:nvSpPr>
+          <p:cNvPr id="3" name="Marcador de contenido 2">
+            <a:extLst>
+              <a:ext uri="{FF2B5EF4-FFF2-40B4-BE49-F238E27FC236}">
+                <a16:creationId xmlns:a16="http://schemas.microsoft.com/office/drawing/2014/main" id="{E236835E-89D8-4A0D-ACFE-3B6C96BD1554}"/>
+              </a:ext>
+            </a:extLst>
+          </p:cNvPr>
+          <p:cNvSpPr>
+            <a:spLocks noGrp="1"/>
+          </p:cNvSpPr>
+          <p:nvPr>
+            <p:ph idx="1"/>
+          </p:nvPr>
+        </p:nvSpPr>
+        <p:spPr/>
+        <p:txBody>
+          <a:bodyPr/>
+          <a:lstStyle/>
+          <a:p>
+            <a:pPr marL="0" indent="0" algn="just">
+              <a:buNone/>
+            </a:pPr>
+            <a:r>
+              <a:rPr lang="es-ES" dirty="0"/>
+              <a:t>Este rol le corresponde a una persona y se encarga de guiar al equipo durante todo el proyecto, evitando interrupciones ajenas y vela por que el proyecto salga adelante.</a:t>
+            </a:r>
+          </a:p>
+          <a:p>
+            <a:pPr marL="0" indent="0" algn="just">
+              <a:buNone/>
+            </a:pPr>
+            <a:r>
+              <a:rPr lang="es-ES" dirty="0"/>
+              <a:t>También hace las funciones de guardián de la metodología, monitorización y seguimiento, informar y comunicar y resolver conflictos o impedimentos.</a:t>
+            </a:r>
+          </a:p>
+        </p:txBody>
+      </p:sp>
+      <p:pic>
+        <p:nvPicPr>
+          <p:cNvPr id="7" name="Imagen 6">
+            <a:extLst>
+              <a:ext uri="{FF2B5EF4-FFF2-40B4-BE49-F238E27FC236}">
+                <a16:creationId xmlns:a16="http://schemas.microsoft.com/office/drawing/2014/main" id="{D8CC124B-DFF7-4C35-9A1D-58A5270D3E0E}"/>
+              </a:ext>
+            </a:extLst>
+          </p:cNvPr>
+          <p:cNvPicPr>
+            <a:picLocks noChangeAspect="1"/>
+          </p:cNvPicPr>
+          <p:nvPr/>
+        </p:nvPicPr>
+        <p:blipFill>
+          <a:blip r:embed="rId2"/>
+          <a:stretch>
+            <a:fillRect/>
+          </a:stretch>
+        </p:blipFill>
+        <p:spPr>
+          <a:xfrm>
+            <a:off x="6742341" y="2886112"/>
+            <a:ext cx="5539440" cy="3316739"/>
+          </a:xfrm>
+          <a:prstGeom prst="rect">
+            <a:avLst/>
+          </a:prstGeom>
+        </p:spPr>
+      </p:pic>
+    </p:spTree>
+    <p:extLst>
+      <p:ext uri="{BB962C8B-B14F-4D97-AF65-F5344CB8AC3E}">
+        <p14:creationId xmlns:p14="http://schemas.microsoft.com/office/powerpoint/2010/main" val="1099780786"/>
+      </p:ext>
+    </p:extLst>
+  </p:cSld>
+  <p:clrMapOvr>
+    <a:masterClrMapping/>
+  </p:clrMapOvr>
+</p:sld>
+</file>
+
 <file path=ppt/slides/slide2.xml><?xml version="1.0" encoding="utf-8"?>
 <p:sld xmlns:a="http://schemas.openxmlformats.org/drawingml/2006/main" xmlns:r="http://schemas.openxmlformats.org/officeDocument/2006/relationships" xmlns:p="http://schemas.openxmlformats.org/presentationml/2006/main">
   <p:cSld>
@@ -4553,8 +4684,8 @@
         </p:nvSpPr>
         <p:spPr>
           <a:xfrm>
-            <a:off x="1451579" y="2314532"/>
-            <a:ext cx="9603275" cy="3648118"/>
+            <a:off x="1733909" y="2314532"/>
+            <a:ext cx="9320945" cy="3648118"/>
           </a:xfrm>
         </p:spPr>
         <p:txBody>
@@ -4654,10 +4785,9 @@
           <a:p>
             <a:pPr algn="just"/>
             <a:r>
-              <a:rPr lang="es-ES"/>
+              <a:rPr lang="es-ES" dirty="0"/>
               <a:t>Disciplina</a:t>
             </a:r>
-            <a:endParaRPr lang="es-ES" dirty="0"/>
           </a:p>
           <a:p>
             <a:pPr algn="just"/>
@@ -4714,6 +4844,363 @@
     <p:extLst>
       <p:ext uri="{BB962C8B-B14F-4D97-AF65-F5344CB8AC3E}">
         <p14:creationId xmlns:p14="http://schemas.microsoft.com/office/powerpoint/2010/main" val="1252192983"/>
+      </p:ext>
+    </p:extLst>
+  </p:cSld>
+  <p:clrMapOvr>
+    <a:masterClrMapping/>
+  </p:clrMapOvr>
+</p:sld>
+</file>
+
+<file path=ppt/slides/slide8.xml><?xml version="1.0" encoding="utf-8"?>
+<p:sld xmlns:a="http://schemas.openxmlformats.org/drawingml/2006/main" xmlns:r="http://schemas.openxmlformats.org/officeDocument/2006/relationships" xmlns:p="http://schemas.openxmlformats.org/presentationml/2006/main">
+  <p:cSld>
+    <p:spTree>
+      <p:nvGrpSpPr>
+        <p:cNvPr id="1" name=""/>
+        <p:cNvGrpSpPr/>
+        <p:nvPr/>
+      </p:nvGrpSpPr>
+      <p:grpSpPr>
+        <a:xfrm>
+          <a:off x="0" y="0"/>
+          <a:ext cx="0" cy="0"/>
+          <a:chOff x="0" y="0"/>
+          <a:chExt cx="0" cy="0"/>
+        </a:xfrm>
+      </p:grpSpPr>
+      <p:sp>
+        <p:nvSpPr>
+          <p:cNvPr id="2" name="Título 1">
+            <a:extLst>
+              <a:ext uri="{FF2B5EF4-FFF2-40B4-BE49-F238E27FC236}">
+                <a16:creationId xmlns:a16="http://schemas.microsoft.com/office/drawing/2014/main" id="{89D023F6-2630-4CB2-9F08-F40299B1899D}"/>
+              </a:ext>
+            </a:extLst>
+          </p:cNvPr>
+          <p:cNvSpPr>
+            <a:spLocks noGrp="1"/>
+          </p:cNvSpPr>
+          <p:nvPr>
+            <p:ph type="title"/>
+          </p:nvPr>
+        </p:nvSpPr>
+        <p:spPr/>
+        <p:txBody>
+          <a:bodyPr/>
+          <a:lstStyle/>
+          <a:p>
+            <a:r>
+              <a:rPr lang="es-ES" dirty="0"/>
+              <a:t>Introducción</a:t>
+            </a:r>
+          </a:p>
+        </p:txBody>
+      </p:sp>
+      <p:sp>
+        <p:nvSpPr>
+          <p:cNvPr id="3" name="Marcador de contenido 2">
+            <a:extLst>
+              <a:ext uri="{FF2B5EF4-FFF2-40B4-BE49-F238E27FC236}">
+                <a16:creationId xmlns:a16="http://schemas.microsoft.com/office/drawing/2014/main" id="{32E5F3C8-1D52-43FD-B0CD-5F669FC0E4FC}"/>
+              </a:ext>
+            </a:extLst>
+          </p:cNvPr>
+          <p:cNvSpPr>
+            <a:spLocks noGrp="1"/>
+          </p:cNvSpPr>
+          <p:nvPr>
+            <p:ph idx="1"/>
+          </p:nvPr>
+        </p:nvSpPr>
+        <p:spPr>
+          <a:xfrm>
+            <a:off x="1451579" y="2015732"/>
+            <a:ext cx="9603275" cy="4037749"/>
+          </a:xfrm>
+        </p:spPr>
+        <p:txBody>
+          <a:bodyPr/>
+          <a:lstStyle/>
+          <a:p>
+            <a:pPr marL="0" indent="0" algn="just">
+              <a:buNone/>
+            </a:pPr>
+            <a:r>
+              <a:rPr lang="es-ES" dirty="0"/>
+              <a:t>También hay que tener en cuenta una serie de principios sobre los que trabajar, como son: </a:t>
+            </a:r>
+          </a:p>
+          <a:p>
+            <a:pPr lvl="1" algn="just"/>
+            <a:r>
+              <a:rPr lang="es-ES" dirty="0"/>
+              <a:t>La entrega frecuente de software con valor </a:t>
+            </a:r>
+          </a:p>
+          <a:p>
+            <a:pPr lvl="1" algn="just"/>
+            <a:r>
+              <a:rPr lang="es-ES" dirty="0"/>
+              <a:t>La aceptación de requisitos cambiantes</a:t>
+            </a:r>
+          </a:p>
+          <a:p>
+            <a:pPr lvl="1" algn="just"/>
+            <a:r>
+              <a:rPr lang="es-ES" dirty="0"/>
+              <a:t>El trabajo entre desarrolladores y clientes</a:t>
+            </a:r>
+          </a:p>
+          <a:p>
+            <a:pPr lvl="1"/>
+            <a:r>
+              <a:rPr lang="es-ES" dirty="0"/>
+              <a:t>El método mas eficaz de comunicar algo es hablarlo cara a cara</a:t>
+            </a:r>
+          </a:p>
+          <a:p>
+            <a:pPr lvl="1"/>
+            <a:r>
+              <a:rPr lang="es-ES" dirty="0"/>
+              <a:t>El software que funciona es la principal medida de progreso</a:t>
+            </a:r>
+          </a:p>
+          <a:p>
+            <a:pPr lvl="1"/>
+            <a:r>
+              <a:rPr lang="es-ES" dirty="0"/>
+              <a:t>El ritmo constante</a:t>
+            </a:r>
+          </a:p>
+          <a:p>
+            <a:pPr lvl="1"/>
+            <a:r>
+              <a:rPr lang="es-ES" dirty="0"/>
+              <a:t>La autoorganización</a:t>
+            </a:r>
+          </a:p>
+          <a:p>
+            <a:pPr lvl="1"/>
+            <a:r>
+              <a:rPr lang="es-ES" dirty="0"/>
+              <a:t>Los tiempos de reflexión sobre como ser mas eficiente</a:t>
+            </a:r>
+          </a:p>
+        </p:txBody>
+      </p:sp>
+    </p:spTree>
+    <p:extLst>
+      <p:ext uri="{BB962C8B-B14F-4D97-AF65-F5344CB8AC3E}">
+        <p14:creationId xmlns:p14="http://schemas.microsoft.com/office/powerpoint/2010/main" val="3826875765"/>
+      </p:ext>
+    </p:extLst>
+  </p:cSld>
+  <p:clrMapOvr>
+    <a:masterClrMapping/>
+  </p:clrMapOvr>
+</p:sld>
+</file>
+
+<file path=ppt/slides/slide9.xml><?xml version="1.0" encoding="utf-8"?>
+<p:sld xmlns:a="http://schemas.openxmlformats.org/drawingml/2006/main" xmlns:r="http://schemas.openxmlformats.org/officeDocument/2006/relationships" xmlns:p="http://schemas.openxmlformats.org/presentationml/2006/main">
+  <p:cSld>
+    <p:spTree>
+      <p:nvGrpSpPr>
+        <p:cNvPr id="1" name=""/>
+        <p:cNvGrpSpPr/>
+        <p:nvPr/>
+      </p:nvGrpSpPr>
+      <p:grpSpPr>
+        <a:xfrm>
+          <a:off x="0" y="0"/>
+          <a:ext cx="0" cy="0"/>
+          <a:chOff x="0" y="0"/>
+          <a:chExt cx="0" cy="0"/>
+        </a:xfrm>
+      </p:grpSpPr>
+      <p:sp>
+        <p:nvSpPr>
+          <p:cNvPr id="2" name="Título 1">
+            <a:extLst>
+              <a:ext uri="{FF2B5EF4-FFF2-40B4-BE49-F238E27FC236}">
+                <a16:creationId xmlns:a16="http://schemas.microsoft.com/office/drawing/2014/main" id="{3F34BA3C-D043-4EAB-BEF3-F63ED3850619}"/>
+              </a:ext>
+            </a:extLst>
+          </p:cNvPr>
+          <p:cNvSpPr>
+            <a:spLocks noGrp="1"/>
+          </p:cNvSpPr>
+          <p:nvPr>
+            <p:ph type="title"/>
+          </p:nvPr>
+        </p:nvSpPr>
+        <p:spPr/>
+        <p:txBody>
+          <a:bodyPr/>
+          <a:lstStyle/>
+          <a:p>
+            <a:r>
+              <a:rPr lang="es-ES" dirty="0"/>
+              <a:t>jerarquía</a:t>
+            </a:r>
+          </a:p>
+        </p:txBody>
+      </p:sp>
+      <p:sp>
+        <p:nvSpPr>
+          <p:cNvPr id="3" name="Marcador de contenido 2">
+            <a:extLst>
+              <a:ext uri="{FF2B5EF4-FFF2-40B4-BE49-F238E27FC236}">
+                <a16:creationId xmlns:a16="http://schemas.microsoft.com/office/drawing/2014/main" id="{686CE9CB-1BC0-4402-9AF8-226EF7B2AF83}"/>
+              </a:ext>
+            </a:extLst>
+          </p:cNvPr>
+          <p:cNvSpPr>
+            <a:spLocks noGrp="1"/>
+          </p:cNvSpPr>
+          <p:nvPr>
+            <p:ph idx="1"/>
+          </p:nvPr>
+        </p:nvSpPr>
+        <p:spPr/>
+        <p:txBody>
+          <a:bodyPr/>
+          <a:lstStyle/>
+          <a:p>
+            <a:pPr marL="0" indent="0">
+              <a:buNone/>
+            </a:pPr>
+            <a:r>
+              <a:rPr lang="es-ES" dirty="0"/>
+              <a:t>En Scrum no existe una jerarquía como tal, si no que existen roles. Que son:</a:t>
+            </a:r>
+          </a:p>
+          <a:p>
+            <a:pPr lvl="1"/>
+            <a:r>
+              <a:rPr lang="es-ES" dirty="0"/>
+              <a:t>Scrum Master</a:t>
+            </a:r>
+          </a:p>
+          <a:p>
+            <a:pPr lvl="1"/>
+            <a:r>
+              <a:rPr lang="es-ES" dirty="0" err="1"/>
+              <a:t>Product</a:t>
+            </a:r>
+            <a:r>
+              <a:rPr lang="es-ES" dirty="0"/>
+              <a:t> </a:t>
+            </a:r>
+            <a:r>
+              <a:rPr lang="es-ES" dirty="0" err="1"/>
+              <a:t>Owner</a:t>
+            </a:r>
+            <a:endParaRPr lang="es-ES" dirty="0"/>
+          </a:p>
+          <a:p>
+            <a:pPr lvl="1"/>
+            <a:r>
+              <a:rPr lang="es-ES" dirty="0" err="1"/>
+              <a:t>Team</a:t>
+            </a:r>
+            <a:endParaRPr lang="es-ES" dirty="0"/>
+          </a:p>
+        </p:txBody>
+      </p:sp>
+      <p:pic>
+        <p:nvPicPr>
+          <p:cNvPr id="7" name="Imagen 6">
+            <a:extLst>
+              <a:ext uri="{FF2B5EF4-FFF2-40B4-BE49-F238E27FC236}">
+                <a16:creationId xmlns:a16="http://schemas.microsoft.com/office/drawing/2014/main" id="{55AB2EF3-7709-4D71-AD1F-46E534524780}"/>
+              </a:ext>
+            </a:extLst>
+          </p:cNvPr>
+          <p:cNvPicPr>
+            <a:picLocks noChangeAspect="1"/>
+          </p:cNvPicPr>
+          <p:nvPr/>
+        </p:nvPicPr>
+        <p:blipFill>
+          <a:blip r:embed="rId2"/>
+          <a:stretch>
+            <a:fillRect/>
+          </a:stretch>
+        </p:blipFill>
+        <p:spPr>
+          <a:xfrm>
+            <a:off x="1791419" y="3643224"/>
+            <a:ext cx="2937217" cy="2076704"/>
+          </a:xfrm>
+          <a:prstGeom prst="rect">
+            <a:avLst/>
+          </a:prstGeom>
+          <a:ln>
+            <a:noFill/>
+          </a:ln>
+          <a:effectLst>
+            <a:outerShdw blurRad="292100" dist="139700" dir="2700000" algn="tl" rotWithShape="0">
+              <a:srgbClr val="333333">
+                <a:alpha val="65000"/>
+              </a:srgbClr>
+            </a:outerShdw>
+          </a:effectLst>
+        </p:spPr>
+      </p:pic>
+      <p:pic>
+        <p:nvPicPr>
+          <p:cNvPr id="1030" name="Picture 6" descr="Los tres roles de la metodología SCRUM | Zoraida Ceballos de Mariño - SCRUM  y Metodologías de Proyectos">
+            <a:extLst>
+              <a:ext uri="{FF2B5EF4-FFF2-40B4-BE49-F238E27FC236}">
+                <a16:creationId xmlns:a16="http://schemas.microsoft.com/office/drawing/2014/main" id="{0EEF82AC-44CD-4127-A5F2-37D162A9E234}"/>
+              </a:ext>
+            </a:extLst>
+          </p:cNvPr>
+          <p:cNvPicPr>
+            <a:picLocks noChangeAspect="1" noChangeArrowheads="1"/>
+          </p:cNvPicPr>
+          <p:nvPr/>
+        </p:nvPicPr>
+        <p:blipFill>
+          <a:blip r:embed="rId3">
+            <a:extLst>
+              <a:ext uri="{28A0092B-C50C-407E-A947-70E740481C1C}">
+                <a14:useLocalDpi xmlns:a14="http://schemas.microsoft.com/office/drawing/2010/main" val="0"/>
+              </a:ext>
+            </a:extLst>
+          </a:blip>
+          <a:srcRect/>
+          <a:stretch>
+            <a:fillRect/>
+          </a:stretch>
+        </p:blipFill>
+        <p:spPr bwMode="auto">
+          <a:xfrm>
+            <a:off x="5193102" y="2632414"/>
+            <a:ext cx="5207479" cy="2217247"/>
+          </a:xfrm>
+          <a:prstGeom prst="rect">
+            <a:avLst/>
+          </a:prstGeom>
+          <a:noFill/>
+          <a:extLst>
+            <a:ext uri="{909E8E84-426E-40DD-AFC4-6F175D3DCCD1}">
+              <a14:hiddenFill xmlns:a14="http://schemas.microsoft.com/office/drawing/2010/main">
+                <a:solidFill>
+                  <a:srgbClr val="FFFFFF"/>
+                </a:solidFill>
+              </a14:hiddenFill>
+            </a:ext>
+          </a:extLst>
+        </p:spPr>
+      </p:pic>
+    </p:spTree>
+    <p:extLst>
+      <p:ext uri="{BB962C8B-B14F-4D97-AF65-F5344CB8AC3E}">
+        <p14:creationId xmlns:p14="http://schemas.microsoft.com/office/powerpoint/2010/main" val="3703273425"/>
       </p:ext>
     </p:extLst>
   </p:cSld>

--- a/Bloque_01-Rubrica_01/Metodología scrum.pptx
+++ b/Bloque_01-Rubrica_01/Metodología scrum.pptx
@@ -260,7 +260,7 @@
           <a:p>
             <a:fld id="{48A87A34-81AB-432B-8DAE-1953F412C126}" type="datetimeFigureOut">
               <a:rPr lang="en-US" dirty="0"/>
-              <a:t>10/5/2020</a:t>
+              <a:t>10/6/2020</a:t>
             </a:fld>
             <a:endParaRPr lang="en-US" dirty="0"/>
           </a:p>
@@ -466,7 +466,7 @@
           <a:p>
             <a:fld id="{48A87A34-81AB-432B-8DAE-1953F412C126}" type="datetimeFigureOut">
               <a:rPr lang="en-US" dirty="0"/>
-              <a:t>10/5/2020</a:t>
+              <a:t>10/6/2020</a:t>
             </a:fld>
             <a:endParaRPr lang="en-US" dirty="0"/>
           </a:p>
@@ -676,7 +676,7 @@
           <a:p>
             <a:fld id="{48A87A34-81AB-432B-8DAE-1953F412C126}" type="datetimeFigureOut">
               <a:rPr lang="en-US" dirty="0"/>
-              <a:t>10/5/2020</a:t>
+              <a:t>10/6/2020</a:t>
             </a:fld>
             <a:endParaRPr lang="en-US" dirty="0"/>
           </a:p>
@@ -872,7 +872,7 @@
           <a:p>
             <a:fld id="{48A87A34-81AB-432B-8DAE-1953F412C126}" type="datetimeFigureOut">
               <a:rPr lang="en-US" dirty="0"/>
-              <a:t>10/5/2020</a:t>
+              <a:t>10/6/2020</a:t>
             </a:fld>
             <a:endParaRPr lang="en-US" dirty="0"/>
           </a:p>
@@ -1146,7 +1146,7 @@
           <a:p>
             <a:fld id="{48A87A34-81AB-432B-8DAE-1953F412C126}" type="datetimeFigureOut">
               <a:rPr lang="en-US" dirty="0"/>
-              <a:t>10/5/2020</a:t>
+              <a:t>10/6/2020</a:t>
             </a:fld>
             <a:endParaRPr lang="en-US" dirty="0"/>
           </a:p>
@@ -1409,7 +1409,7 @@
           <a:p>
             <a:fld id="{48A87A34-81AB-432B-8DAE-1953F412C126}" type="datetimeFigureOut">
               <a:rPr lang="en-US" dirty="0"/>
-              <a:t>10/5/2020</a:t>
+              <a:t>10/6/2020</a:t>
             </a:fld>
             <a:endParaRPr lang="en-US" dirty="0"/>
           </a:p>
@@ -1820,7 +1820,7 @@
           <a:p>
             <a:fld id="{48A87A34-81AB-432B-8DAE-1953F412C126}" type="datetimeFigureOut">
               <a:rPr lang="en-US" dirty="0"/>
-              <a:t>10/5/2020</a:t>
+              <a:t>10/6/2020</a:t>
             </a:fld>
             <a:endParaRPr lang="en-US" dirty="0"/>
           </a:p>
@@ -1964,7 +1964,7 @@
           <a:p>
             <a:fld id="{48A87A34-81AB-432B-8DAE-1953F412C126}" type="datetimeFigureOut">
               <a:rPr lang="en-US" dirty="0"/>
-              <a:t>10/5/2020</a:t>
+              <a:t>10/6/2020</a:t>
             </a:fld>
             <a:endParaRPr lang="en-US" dirty="0"/>
           </a:p>
@@ -2085,7 +2085,7 @@
           <a:p>
             <a:fld id="{48A87A34-81AB-432B-8DAE-1953F412C126}" type="datetimeFigureOut">
               <a:rPr lang="en-US" dirty="0"/>
-              <a:t>10/5/2020</a:t>
+              <a:t>10/6/2020</a:t>
             </a:fld>
             <a:endParaRPr lang="en-US" dirty="0"/>
           </a:p>
@@ -2331,7 +2331,7 @@
           <a:p>
             <a:fld id="{48A87A34-81AB-432B-8DAE-1953F412C126}" type="datetimeFigureOut">
               <a:rPr lang="en-US" dirty="0"/>
-              <a:t>10/5/2020</a:t>
+              <a:t>10/6/2020</a:t>
             </a:fld>
             <a:endParaRPr lang="en-US" dirty="0"/>
           </a:p>
@@ -2772,7 +2772,7 @@
             <a:fld id="{48A87A34-81AB-432B-8DAE-1953F412C126}" type="datetimeFigureOut">
               <a:rPr lang="en-US" dirty="0"/>
               <a:pPr/>
-              <a:t>10/5/2020</a:t>
+              <a:t>10/6/2020</a:t>
             </a:fld>
             <a:endParaRPr lang="en-US" dirty="0"/>
           </a:p>
@@ -3095,7 +3095,7 @@
             <a:fld id="{48A87A34-81AB-432B-8DAE-1953F412C126}" type="datetimeFigureOut">
               <a:rPr lang="en-US" dirty="0"/>
               <a:pPr/>
-              <a:t>10/5/2020</a:t>
+              <a:t>10/6/2020</a:t>
             </a:fld>
             <a:endParaRPr lang="en-US" dirty="0"/>
           </a:p>
@@ -4275,7 +4275,7 @@
             </a:pPr>
             <a:r>
               <a:rPr lang="es-ES" sz="1800" dirty="0"/>
-              <a:t>La metodología Scrum apareció por primera vez en 1986 en un articulo de la revista </a:t>
+              <a:t>La metodología Scrum apareció por primera vez en 1986 en un artículo de la revista </a:t>
             </a:r>
             <a:r>
               <a:rPr lang="es-ES" sz="1800" i="1" dirty="0"/>
@@ -4287,15 +4287,7 @@
             </a:r>
             <a:r>
               <a:rPr lang="es-ES" sz="1800" dirty="0"/>
-              <a:t> como  “El nuevo </a:t>
-            </a:r>
-            <a:r>
-              <a:rPr lang="es-ES" sz="1800" dirty="0" err="1"/>
-              <a:t>nuevo</a:t>
-            </a:r>
-            <a:r>
-              <a:rPr lang="es-ES" sz="1800" dirty="0"/>
-              <a:t> juego para el desarrollo de productos”. El artículo trata sobre como las empresas Canon y Honda desarrollan nuevos productos con un enfoque escalable, constituido por equipos </a:t>
+              <a:t> como “El nuevo juego para el desarrollo de productos”. El artículo trata sobre como las empresas Canon y Honda desarrollan nuevos productos con un enfoque escalable, constituido por equipos </a:t>
             </a:r>
             <a:r>
               <a:rPr lang="es-ES" sz="1800" b="1" dirty="0"/>
